--- a/Later/Thread/11/Java_Thread Sleep.pptx
+++ b/Later/Thread/11/Java_Thread Sleep.pptx
@@ -3707,8 +3707,8 @@
         </p:nvSpPr>
         <p:spPr>
           <a:xfrm>
-            <a:off x="1609725" y="1019949"/>
-            <a:ext cx="6096000" cy="276999"/>
+            <a:off x="1609725" y="614749"/>
+            <a:ext cx="6096000" cy="1015663"/>
           </a:xfrm>
           <a:prstGeom prst="rect">
             <a:avLst/>
@@ -3734,9 +3734,50 @@
           </a:bodyPr>
           <a:lstStyle/>
           <a:p>
+            <a:pPr marL="171450" indent="-171450">
+              <a:buFont typeface="Wingdings" pitchFamily="2" charset="2"/>
+              <a:buChar char="ü"/>
+            </a:pPr>
             <a:r>
               <a:rPr lang="en-US" sz="1200" dirty="0"/>
-              <a:t>The sleep() method of Thread class is used to sleep a thread for the specified amount of time.</a:t>
+              <a:t>The sleep() method of Thread class is used to sleep a thread for the specified amount of time</a:t>
+            </a:r>
+            <a:r>
+              <a:rPr lang="en-US" sz="1200" dirty="0" smtClean="0"/>
+              <a:t>.</a:t>
+            </a:r>
+          </a:p>
+          <a:p>
+            <a:pPr marL="171450" indent="-171450">
+              <a:buFont typeface="Wingdings" pitchFamily="2" charset="2"/>
+              <a:buChar char="ü"/>
+            </a:pPr>
+            <a:endParaRPr lang="en-US" sz="1200" dirty="0"/>
+          </a:p>
+          <a:p>
+            <a:pPr marL="171450" indent="-171450">
+              <a:buFont typeface="Wingdings" pitchFamily="2" charset="2"/>
+              <a:buChar char="ü"/>
+            </a:pPr>
+            <a:r>
+              <a:rPr lang="en-US" sz="1200" dirty="0"/>
+              <a:t>As you know well that at a time only one thread is executed. If you sleep a thread for the specified </a:t>
+            </a:r>
+            <a:r>
+              <a:rPr lang="en-US" sz="1200" dirty="0" smtClean="0"/>
+              <a:t>time, the </a:t>
+            </a:r>
+            <a:r>
+              <a:rPr lang="en-US" sz="1200" dirty="0"/>
+              <a:t>thread </a:t>
+            </a:r>
+            <a:r>
+              <a:rPr lang="en-US" sz="1200" dirty="0" smtClean="0"/>
+              <a:t>scheduler </a:t>
+            </a:r>
+            <a:r>
+              <a:rPr lang="en-US" sz="1200" dirty="0"/>
+              <a:t>picks up another thread and so on.</a:t>
             </a:r>
             <a:endParaRPr lang="en-US" sz="1200" dirty="0"/>
           </a:p>
